--- a/Myst.pptx
+++ b/Myst.pptx
@@ -17,7 +17,7 @@
   <p:notesSz cx="6858000" cy="9144000"/>
   <p:embeddedFontLst>
     <p:embeddedFont>
-      <p:font typeface="Lexend" charset="0"/>
+      <p:font typeface="Lexend" panose="020B0604020202020204" charset="0"/>
       <p:regular r:id="rId7"/>
       <p:bold r:id="rId8"/>
     </p:embeddedFont>
@@ -253,7 +253,7 @@
   </p:defaultTextStyle>
   <p:extLst>
     <p:ext uri="{EFAFB233-063F-42B5-8137-9DF3F51BA10A}">
-      <p15:sldGuideLst xmlns:ahyp="http://schemas.microsoft.com/office/drawing/2018/hyperlinkcolor" xmlns:p15="http://schemas.microsoft.com/office/powerpoint/2012/main" xmlns:p14="http://schemas.microsoft.com/office/powerpoint/2010/main" xmlns:com="http://schemas.openxmlformats.org/drawingml/2006/compatibility" xmlns:pvml="urn:schemas-microsoft-com:office:powerpoint" xmlns:v="urn:schemas-microsoft-com:vml" xmlns:o="urn:schemas-microsoft-com:office:office" xmlns:dgm="http://schemas.openxmlformats.org/drawingml/2006/diagram" xmlns:c="http://schemas.openxmlformats.org/drawingml/2006/chart" xmlns:mv="urn:schemas-microsoft-com:mac:vml" xmlns:mc="http://schemas.openxmlformats.org/markup-compatibility/2006" xmlns="">
+      <p15:sldGuideLst xmlns:p15="http://schemas.microsoft.com/office/powerpoint/2012/main">
         <p15:guide id="1" orient="horz" pos="1620">
           <p15:clr>
             <a:srgbClr val="747775"/>
@@ -6341,31 +6341,7 @@
                 <a:cs typeface="Lexend"/>
                 <a:sym typeface="Lexend"/>
               </a:rPr>
-              <a:t>Rispetto al mercato fisico, il mercato digitale dei videogiochi non permette la rivendita o lo scambio della licenza dei propri giochi, </a:t>
-            </a:r>
-            <a:r>
-              <a:rPr lang="en" sz="1729" dirty="0" smtClean="0">
-                <a:solidFill>
-                  <a:schemeClr val="dk1"/>
-                </a:solidFill>
-                <a:latin typeface="Lexend"/>
-                <a:ea typeface="Lexend"/>
-                <a:cs typeface="Lexend"/>
-                <a:sym typeface="Lexend"/>
-              </a:rPr>
-              <a:t>non permettendo </a:t>
-            </a:r>
-            <a:r>
-              <a:rPr lang="en" sz="1729" dirty="0">
-                <a:solidFill>
-                  <a:schemeClr val="dk1"/>
-                </a:solidFill>
-                <a:latin typeface="Lexend"/>
-                <a:ea typeface="Lexend"/>
-                <a:cs typeface="Lexend"/>
-                <a:sym typeface="Lexend"/>
-              </a:rPr>
-              <a:t>alle persone di risparmiare.</a:t>
+              <a:t>Rispetto al mercato fisico, il mercato digitale dei videogiochi non permette la rivendita o lo scambio della licenza dei propri giochi, non permettendo alle persone di risparmiare.</a:t>
             </a:r>
             <a:endParaRPr sz="1729" dirty="0">
               <a:solidFill>
@@ -6401,31 +6377,7 @@
                 <a:cs typeface="Lexend"/>
                 <a:sym typeface="Lexend"/>
               </a:rPr>
-              <a:t>Anche se è possibile pagare di meno tramite le chiavi di attivazione di giochi esse rappresentano una zona grigia del mercato digitale </a:t>
-            </a:r>
-            <a:r>
-              <a:rPr lang="en" sz="1729" dirty="0" smtClean="0">
-                <a:solidFill>
-                  <a:schemeClr val="dk1"/>
-                </a:solidFill>
-                <a:latin typeface="Lexend"/>
-                <a:ea typeface="Lexend"/>
-                <a:cs typeface="Lexend"/>
-                <a:sym typeface="Lexend"/>
-              </a:rPr>
-              <a:t>a causa della </a:t>
-            </a:r>
-            <a:r>
-              <a:rPr lang="en" sz="1729" dirty="0">
-                <a:solidFill>
-                  <a:schemeClr val="dk1"/>
-                </a:solidFill>
-                <a:latin typeface="Lexend"/>
-                <a:ea typeface="Lexend"/>
-                <a:cs typeface="Lexend"/>
-                <a:sym typeface="Lexend"/>
-              </a:rPr>
-              <a:t>loro dubbia provenienza in alcuni casi.</a:t>
+              <a:t>Anche se è possibile pagare di meno tramite le chiavi di attivazione di giochi esse rappresentano una zona grigia del mercato digitale a causa della loro dubbia provenienza in alcuni casi.</a:t>
             </a:r>
             <a:endParaRPr sz="1729" dirty="0">
               <a:solidFill>
@@ -6719,7 +6671,7 @@
                 <a:cs typeface="Lexend"/>
                 <a:sym typeface="Lexend"/>
               </a:rPr>
-              <a:t>Si vuole sviluppare un sito web per una piattaforma che vende videogiochi digitali.</a:t>
+              <a:t>Si vuole sviluppare una PWA per una piattaforma che vende videogiochi digitali.</a:t>
             </a:r>
             <a:endParaRPr dirty="0">
               <a:solidFill>
@@ -6751,79 +6703,7 @@
                 <a:cs typeface="Lexend"/>
                 <a:sym typeface="Lexend"/>
               </a:rPr>
-              <a:t>L’utente può registrare un account, comprare </a:t>
-            </a:r>
-            <a:r>
-              <a:rPr lang="en" dirty="0" smtClean="0">
-                <a:solidFill>
-                  <a:schemeClr val="dk1"/>
-                </a:solidFill>
-                <a:latin typeface="Lexend"/>
-                <a:ea typeface="Lexend"/>
-                <a:cs typeface="Lexend"/>
-                <a:sym typeface="Lexend"/>
-              </a:rPr>
-              <a:t>giochi  (che </a:t>
-            </a:r>
-            <a:r>
-              <a:rPr lang="en" dirty="0">
-                <a:solidFill>
-                  <a:schemeClr val="dk1"/>
-                </a:solidFill>
-                <a:latin typeface="Lexend"/>
-                <a:ea typeface="Lexend"/>
-                <a:cs typeface="Lexend"/>
-                <a:sym typeface="Lexend"/>
-              </a:rPr>
-              <a:t>verranno aggiunti alla sua libreria) e </a:t>
-            </a:r>
-            <a:r>
-              <a:rPr lang="en" dirty="0" smtClean="0">
-                <a:solidFill>
-                  <a:schemeClr val="dk1"/>
-                </a:solidFill>
-                <a:latin typeface="Lexend"/>
-                <a:ea typeface="Lexend"/>
-                <a:cs typeface="Lexend"/>
-                <a:sym typeface="Lexend"/>
-              </a:rPr>
-              <a:t>ha la possibilità di rivendere </a:t>
-            </a:r>
-            <a:r>
-              <a:rPr lang="en" dirty="0">
-                <a:solidFill>
-                  <a:schemeClr val="dk1"/>
-                </a:solidFill>
-                <a:latin typeface="Lexend"/>
-                <a:ea typeface="Lexend"/>
-                <a:cs typeface="Lexend"/>
-                <a:sym typeface="Lexend"/>
-              </a:rPr>
-              <a:t>poi i giochi comprati </a:t>
-            </a:r>
-            <a:r>
-              <a:rPr lang="en" dirty="0" smtClean="0">
-                <a:solidFill>
-                  <a:schemeClr val="dk1"/>
-                </a:solidFill>
-                <a:latin typeface="Lexend"/>
-                <a:ea typeface="Lexend"/>
-                <a:cs typeface="Lexend"/>
-                <a:sym typeface="Lexend"/>
-              </a:rPr>
-              <a:t>ad altri utenti(aggiustati </a:t>
-            </a:r>
-            <a:r>
-              <a:rPr lang="en" dirty="0">
-                <a:solidFill>
-                  <a:schemeClr val="dk1"/>
-                </a:solidFill>
-                <a:latin typeface="Lexend"/>
-                <a:ea typeface="Lexend"/>
-                <a:cs typeface="Lexend"/>
-                <a:sym typeface="Lexend"/>
-              </a:rPr>
-              <a:t>per valuta in base al paese dell’utente).</a:t>
+              <a:t>L’utente può registrare un account, comprare giochi  (che verranno aggiunti alla sua libreria) e ha la possibilità di rivendere poi i giochi comprati ad altri utenti(aggiustati per valuta in base al paese dell’utente).</a:t>
             </a:r>
             <a:endParaRPr dirty="0">
               <a:solidFill>
